--- a/Demo PPt.pptx
+++ b/Demo PPt.pptx
@@ -8,10 +8,11 @@
     <p:sldId id="256" r:id="rId2"/>
     <p:sldId id="260" r:id="rId3"/>
     <p:sldId id="263" r:id="rId4"/>
-    <p:sldId id="262" r:id="rId5"/>
-    <p:sldId id="261" r:id="rId6"/>
-    <p:sldId id="264" r:id="rId7"/>
-    <p:sldId id="265" r:id="rId8"/>
+    <p:sldId id="266" r:id="rId5"/>
+    <p:sldId id="262" r:id="rId6"/>
+    <p:sldId id="261" r:id="rId7"/>
+    <p:sldId id="264" r:id="rId8"/>
+    <p:sldId id="265" r:id="rId9"/>
   </p:sldIdLst>
   <p:sldSz cx="12192000" cy="6858000"/>
   <p:notesSz cx="6858000" cy="9144000"/>
@@ -304,7 +305,7 @@
           <a:p>
             <a:fld id="{619D779C-2197-4EAC-805C-3BC16F6A4C06}" type="datetimeFigureOut">
               <a:rPr lang="nb-NO" smtClean="0"/>
-              <a:t>14.02.2022</a:t>
+              <a:t>15.02.2022</a:t>
             </a:fld>
             <a:endParaRPr lang="nb-NO"/>
           </a:p>
@@ -579,7 +580,7 @@
           <a:p>
             <a:fld id="{619D779C-2197-4EAC-805C-3BC16F6A4C06}" type="datetimeFigureOut">
               <a:rPr lang="nb-NO" smtClean="0"/>
-              <a:t>14.02.2022</a:t>
+              <a:t>15.02.2022</a:t>
             </a:fld>
             <a:endParaRPr lang="nb-NO"/>
           </a:p>
@@ -773,7 +774,7 @@
           <a:p>
             <a:fld id="{619D779C-2197-4EAC-805C-3BC16F6A4C06}" type="datetimeFigureOut">
               <a:rPr lang="nb-NO" smtClean="0"/>
-              <a:t>14.02.2022</a:t>
+              <a:t>15.02.2022</a:t>
             </a:fld>
             <a:endParaRPr lang="nb-NO"/>
           </a:p>
@@ -1046,7 +1047,7 @@
           <a:p>
             <a:fld id="{619D779C-2197-4EAC-805C-3BC16F6A4C06}" type="datetimeFigureOut">
               <a:rPr lang="nb-NO" smtClean="0"/>
-              <a:t>14.02.2022</a:t>
+              <a:t>15.02.2022</a:t>
             </a:fld>
             <a:endParaRPr lang="nb-NO"/>
           </a:p>
@@ -1387,7 +1388,7 @@
           <a:p>
             <a:fld id="{619D779C-2197-4EAC-805C-3BC16F6A4C06}" type="datetimeFigureOut">
               <a:rPr lang="nb-NO" smtClean="0"/>
-              <a:t>14.02.2022</a:t>
+              <a:t>15.02.2022</a:t>
             </a:fld>
             <a:endParaRPr lang="nb-NO"/>
           </a:p>
@@ -2010,7 +2011,7 @@
           <a:p>
             <a:fld id="{619D779C-2197-4EAC-805C-3BC16F6A4C06}" type="datetimeFigureOut">
               <a:rPr lang="nb-NO" smtClean="0"/>
-              <a:t>14.02.2022</a:t>
+              <a:t>15.02.2022</a:t>
             </a:fld>
             <a:endParaRPr lang="nb-NO"/>
           </a:p>
@@ -2870,7 +2871,7 @@
           <a:p>
             <a:fld id="{619D779C-2197-4EAC-805C-3BC16F6A4C06}" type="datetimeFigureOut">
               <a:rPr lang="nb-NO" smtClean="0"/>
-              <a:t>14.02.2022</a:t>
+              <a:t>15.02.2022</a:t>
             </a:fld>
             <a:endParaRPr lang="nb-NO"/>
           </a:p>
@@ -3040,7 +3041,7 @@
           <a:p>
             <a:fld id="{619D779C-2197-4EAC-805C-3BC16F6A4C06}" type="datetimeFigureOut">
               <a:rPr lang="nb-NO" smtClean="0"/>
-              <a:t>14.02.2022</a:t>
+              <a:t>15.02.2022</a:t>
             </a:fld>
             <a:endParaRPr lang="nb-NO"/>
           </a:p>
@@ -3220,7 +3221,7 @@
           <a:p>
             <a:fld id="{619D779C-2197-4EAC-805C-3BC16F6A4C06}" type="datetimeFigureOut">
               <a:rPr lang="nb-NO" smtClean="0"/>
-              <a:t>14.02.2022</a:t>
+              <a:t>15.02.2022</a:t>
             </a:fld>
             <a:endParaRPr lang="nb-NO"/>
           </a:p>
@@ -3390,7 +3391,7 @@
           <a:p>
             <a:fld id="{619D779C-2197-4EAC-805C-3BC16F6A4C06}" type="datetimeFigureOut">
               <a:rPr lang="nb-NO" smtClean="0"/>
-              <a:t>14.02.2022</a:t>
+              <a:t>15.02.2022</a:t>
             </a:fld>
             <a:endParaRPr lang="nb-NO"/>
           </a:p>
@@ -3637,7 +3638,7 @@
           <a:p>
             <a:fld id="{619D779C-2197-4EAC-805C-3BC16F6A4C06}" type="datetimeFigureOut">
               <a:rPr lang="nb-NO" smtClean="0"/>
-              <a:t>14.02.2022</a:t>
+              <a:t>15.02.2022</a:t>
             </a:fld>
             <a:endParaRPr lang="nb-NO"/>
           </a:p>
@@ -3929,7 +3930,7 @@
           <a:p>
             <a:fld id="{619D779C-2197-4EAC-805C-3BC16F6A4C06}" type="datetimeFigureOut">
               <a:rPr lang="nb-NO" smtClean="0"/>
-              <a:t>14.02.2022</a:t>
+              <a:t>15.02.2022</a:t>
             </a:fld>
             <a:endParaRPr lang="nb-NO"/>
           </a:p>
@@ -4373,7 +4374,7 @@
           <a:p>
             <a:fld id="{619D779C-2197-4EAC-805C-3BC16F6A4C06}" type="datetimeFigureOut">
               <a:rPr lang="nb-NO" smtClean="0"/>
-              <a:t>14.02.2022</a:t>
+              <a:t>15.02.2022</a:t>
             </a:fld>
             <a:endParaRPr lang="nb-NO"/>
           </a:p>
@@ -4491,7 +4492,7 @@
           <a:p>
             <a:fld id="{619D779C-2197-4EAC-805C-3BC16F6A4C06}" type="datetimeFigureOut">
               <a:rPr lang="nb-NO" smtClean="0"/>
-              <a:t>14.02.2022</a:t>
+              <a:t>15.02.2022</a:t>
             </a:fld>
             <a:endParaRPr lang="nb-NO"/>
           </a:p>
@@ -4586,7 +4587,7 @@
           <a:p>
             <a:fld id="{619D779C-2197-4EAC-805C-3BC16F6A4C06}" type="datetimeFigureOut">
               <a:rPr lang="nb-NO" smtClean="0"/>
-              <a:t>14.02.2022</a:t>
+              <a:t>15.02.2022</a:t>
             </a:fld>
             <a:endParaRPr lang="nb-NO"/>
           </a:p>
@@ -4865,7 +4866,7 @@
           <a:p>
             <a:fld id="{619D779C-2197-4EAC-805C-3BC16F6A4C06}" type="datetimeFigureOut">
               <a:rPr lang="nb-NO" smtClean="0"/>
-              <a:t>14.02.2022</a:t>
+              <a:t>15.02.2022</a:t>
             </a:fld>
             <a:endParaRPr lang="nb-NO"/>
           </a:p>
@@ -5140,7 +5141,7 @@
           <a:p>
             <a:fld id="{619D779C-2197-4EAC-805C-3BC16F6A4C06}" type="datetimeFigureOut">
               <a:rPr lang="nb-NO" smtClean="0"/>
-              <a:t>14.02.2022</a:t>
+              <a:t>15.02.2022</a:t>
             </a:fld>
             <a:endParaRPr lang="nb-NO"/>
           </a:p>
@@ -5569,7 +5570,7 @@
           <a:p>
             <a:fld id="{619D779C-2197-4EAC-805C-3BC16F6A4C06}" type="datetimeFigureOut">
               <a:rPr lang="nb-NO" smtClean="0"/>
-              <a:t>14.02.2022</a:t>
+              <a:t>15.02.2022</a:t>
             </a:fld>
             <a:endParaRPr lang="nb-NO"/>
           </a:p>
@@ -6124,11 +6125,7 @@
             </a:r>
             <a:r>
               <a:rPr lang="en-US" sz="4800" dirty="0" smtClean="0"/>
-              <a:t>ow </a:t>
-            </a:r>
-            <a:r>
-              <a:rPr lang="en-US" sz="4800" dirty="0" smtClean="0"/>
-              <a:t>healthy is your Water Body?</a:t>
+              <a:t>ow healthy is your Water Body?</a:t>
             </a:r>
             <a:endParaRPr lang="nb-NO" sz="4800" dirty="0"/>
           </a:p>
@@ -7202,6 +7199,95 @@
           <a:chExt cx="0" cy="0"/>
         </a:xfrm>
       </p:grpSpPr>
+      <p:sp>
+        <p:nvSpPr>
+          <p:cNvPr id="2" name="Title 1"/>
+          <p:cNvSpPr>
+            <a:spLocks noGrp="1"/>
+          </p:cNvSpPr>
+          <p:nvPr>
+            <p:ph type="title"/>
+          </p:nvPr>
+        </p:nvSpPr>
+        <p:spPr>
+          <a:xfrm>
+            <a:off x="1295631" y="307242"/>
+            <a:ext cx="8825659" cy="820615"/>
+          </a:xfrm>
+        </p:spPr>
+        <p:txBody>
+          <a:bodyPr/>
+          <a:lstStyle/>
+          <a:p>
+            <a:pPr algn="ctr"/>
+            <a:r>
+              <a:rPr lang="en-US" dirty="0" smtClean="0"/>
+              <a:t>pH Chart</a:t>
+            </a:r>
+            <a:endParaRPr lang="nb-NO" dirty="0"/>
+          </a:p>
+        </p:txBody>
+      </p:sp>
+      <p:pic>
+        <p:nvPicPr>
+          <p:cNvPr id="4" name="Picture 3"/>
+          <p:cNvPicPr>
+            <a:picLocks noChangeAspect="1"/>
+          </p:cNvPicPr>
+          <p:nvPr/>
+        </p:nvPicPr>
+        <p:blipFill>
+          <a:blip r:embed="rId2">
+            <a:extLst>
+              <a:ext uri="{28A0092B-C50C-407E-A947-70E740481C1C}">
+                <a14:useLocalDpi xmlns:a14="http://schemas.microsoft.com/office/drawing/2010/main" val="0"/>
+              </a:ext>
+            </a:extLst>
+          </a:blip>
+          <a:stretch>
+            <a:fillRect/>
+          </a:stretch>
+        </p:blipFill>
+        <p:spPr>
+          <a:xfrm>
+            <a:off x="2347546" y="1741922"/>
+            <a:ext cx="7001608" cy="4152343"/>
+          </a:xfrm>
+          <a:prstGeom prst="rect">
+            <a:avLst/>
+          </a:prstGeom>
+        </p:spPr>
+      </p:pic>
+    </p:spTree>
+    <p:extLst>
+      <p:ext uri="{BB962C8B-B14F-4D97-AF65-F5344CB8AC3E}">
+        <p14:creationId xmlns:p14="http://schemas.microsoft.com/office/powerpoint/2010/main" val="392367200"/>
+      </p:ext>
+    </p:extLst>
+  </p:cSld>
+  <p:clrMapOvr>
+    <a:masterClrMapping/>
+  </p:clrMapOvr>
+</p:sld>
+</file>
+
+<file path=ppt/slides/slide5.xml><?xml version="1.0" encoding="utf-8"?>
+<p:sld xmlns:a="http://schemas.openxmlformats.org/drawingml/2006/main" xmlns:r="http://schemas.openxmlformats.org/officeDocument/2006/relationships" xmlns:p="http://schemas.openxmlformats.org/presentationml/2006/main">
+  <p:cSld>
+    <p:spTree>
+      <p:nvGrpSpPr>
+        <p:cNvPr id="1" name=""/>
+        <p:cNvGrpSpPr/>
+        <p:nvPr/>
+      </p:nvGrpSpPr>
+      <p:grpSpPr>
+        <a:xfrm>
+          <a:off x="0" y="0"/>
+          <a:ext cx="0" cy="0"/>
+          <a:chOff x="0" y="0"/>
+          <a:chExt cx="0" cy="0"/>
+        </a:xfrm>
+      </p:grpSpPr>
       <p:pic>
         <p:nvPicPr>
           <p:cNvPr id="4" name="Picture 3"/>
@@ -7296,733 +7382,6 @@
     <p:extLst>
       <p:ext uri="{BB962C8B-B14F-4D97-AF65-F5344CB8AC3E}">
         <p14:creationId xmlns:p14="http://schemas.microsoft.com/office/powerpoint/2010/main" val="3267963557"/>
-      </p:ext>
-    </p:extLst>
-  </p:cSld>
-  <p:clrMapOvr>
-    <a:masterClrMapping/>
-  </p:clrMapOvr>
-  <p:timing>
-    <p:tnLst>
-      <p:par>
-        <p:cTn id="1" dur="indefinite" restart="never" nodeType="tmRoot"/>
-      </p:par>
-    </p:tnLst>
-  </p:timing>
-</p:sld>
-</file>
-
-<file path=ppt/slides/slide5.xml><?xml version="1.0" encoding="utf-8"?>
-<p:sld xmlns:a="http://schemas.openxmlformats.org/drawingml/2006/main" xmlns:r="http://schemas.openxmlformats.org/officeDocument/2006/relationships" xmlns:p="http://schemas.openxmlformats.org/presentationml/2006/main">
-  <p:cSld>
-    <p:spTree>
-      <p:nvGrpSpPr>
-        <p:cNvPr id="1" name=""/>
-        <p:cNvGrpSpPr/>
-        <p:nvPr/>
-      </p:nvGrpSpPr>
-      <p:grpSpPr>
-        <a:xfrm>
-          <a:off x="0" y="0"/>
-          <a:ext cx="0" cy="0"/>
-          <a:chOff x="0" y="0"/>
-          <a:chExt cx="0" cy="0"/>
-        </a:xfrm>
-      </p:grpSpPr>
-      <p:sp>
-        <p:nvSpPr>
-          <p:cNvPr id="2" name="Title 1"/>
-          <p:cNvSpPr>
-            <a:spLocks noGrp="1"/>
-          </p:cNvSpPr>
-          <p:nvPr>
-            <p:ph type="title"/>
-          </p:nvPr>
-        </p:nvSpPr>
-        <p:spPr>
-          <a:xfrm>
-            <a:off x="775540" y="690196"/>
-            <a:ext cx="8825659" cy="926123"/>
-          </a:xfrm>
-        </p:spPr>
-        <p:txBody>
-          <a:bodyPr/>
-          <a:lstStyle/>
-          <a:p>
-            <a:pPr algn="ctr"/>
-            <a:r>
-              <a:rPr lang="en-US" dirty="0" smtClean="0"/>
-              <a:t>Overall Architecture</a:t>
-            </a:r>
-            <a:endParaRPr lang="nb-NO" dirty="0"/>
-          </a:p>
-        </p:txBody>
-      </p:sp>
-      <p:sp>
-        <p:nvSpPr>
-          <p:cNvPr id="6" name="Rectangle 5"/>
-          <p:cNvSpPr/>
-          <p:nvPr/>
-        </p:nvSpPr>
-        <p:spPr>
-          <a:xfrm>
-            <a:off x="2031022" y="2198077"/>
-            <a:ext cx="7112977" cy="589085"/>
-          </a:xfrm>
-          <a:prstGeom prst="rect">
-            <a:avLst/>
-          </a:prstGeom>
-          <a:noFill/>
-          <a:ln>
-            <a:solidFill>
-              <a:schemeClr val="tx1"/>
-            </a:solidFill>
-          </a:ln>
-        </p:spPr>
-        <p:style>
-          <a:lnRef idx="2">
-            <a:schemeClr val="accent1">
-              <a:shade val="50000"/>
-            </a:schemeClr>
-          </a:lnRef>
-          <a:fillRef idx="1">
-            <a:schemeClr val="accent1"/>
-          </a:fillRef>
-          <a:effectRef idx="0">
-            <a:schemeClr val="accent1"/>
-          </a:effectRef>
-          <a:fontRef idx="minor">
-            <a:schemeClr val="lt1"/>
-          </a:fontRef>
-        </p:style>
-        <p:txBody>
-          <a:bodyPr rtlCol="0" anchor="ctr"/>
-          <a:lstStyle/>
-          <a:p>
-            <a:pPr algn="ctr"/>
-            <a:endParaRPr lang="nb-NO"/>
-          </a:p>
-        </p:txBody>
-      </p:sp>
-      <p:sp>
-        <p:nvSpPr>
-          <p:cNvPr id="7" name="Rectangle 6"/>
-          <p:cNvSpPr/>
-          <p:nvPr/>
-        </p:nvSpPr>
-        <p:spPr>
-          <a:xfrm>
-            <a:off x="3429000" y="3358662"/>
-            <a:ext cx="4044462" cy="536331"/>
-          </a:xfrm>
-          <a:prstGeom prst="rect">
-            <a:avLst/>
-          </a:prstGeom>
-          <a:noFill/>
-          <a:ln>
-            <a:solidFill>
-              <a:schemeClr val="tx1"/>
-            </a:solidFill>
-          </a:ln>
-        </p:spPr>
-        <p:style>
-          <a:lnRef idx="2">
-            <a:schemeClr val="accent1">
-              <a:shade val="50000"/>
-            </a:schemeClr>
-          </a:lnRef>
-          <a:fillRef idx="1">
-            <a:schemeClr val="accent1"/>
-          </a:fillRef>
-          <a:effectRef idx="0">
-            <a:schemeClr val="accent1"/>
-          </a:effectRef>
-          <a:fontRef idx="minor">
-            <a:schemeClr val="lt1"/>
-          </a:fontRef>
-        </p:style>
-        <p:txBody>
-          <a:bodyPr rtlCol="0" anchor="ctr"/>
-          <a:lstStyle/>
-          <a:p>
-            <a:pPr algn="ctr"/>
-            <a:endParaRPr lang="nb-NO"/>
-          </a:p>
-        </p:txBody>
-      </p:sp>
-      <p:sp>
-        <p:nvSpPr>
-          <p:cNvPr id="8" name="Can 7"/>
-          <p:cNvSpPr/>
-          <p:nvPr/>
-        </p:nvSpPr>
-        <p:spPr>
-          <a:xfrm>
-            <a:off x="4914900" y="4220308"/>
-            <a:ext cx="756138" cy="949569"/>
-          </a:xfrm>
-          <a:prstGeom prst="can">
-            <a:avLst/>
-          </a:prstGeom>
-          <a:noFill/>
-          <a:ln>
-            <a:solidFill>
-              <a:schemeClr val="tx1"/>
-            </a:solidFill>
-          </a:ln>
-        </p:spPr>
-        <p:style>
-          <a:lnRef idx="2">
-            <a:schemeClr val="accent1">
-              <a:shade val="50000"/>
-            </a:schemeClr>
-          </a:lnRef>
-          <a:fillRef idx="1">
-            <a:schemeClr val="accent1"/>
-          </a:fillRef>
-          <a:effectRef idx="0">
-            <a:schemeClr val="accent1"/>
-          </a:effectRef>
-          <a:fontRef idx="minor">
-            <a:schemeClr val="lt1"/>
-          </a:fontRef>
-        </p:style>
-        <p:txBody>
-          <a:bodyPr rtlCol="0" anchor="ctr"/>
-          <a:lstStyle/>
-          <a:p>
-            <a:pPr algn="ctr"/>
-            <a:endParaRPr lang="nb-NO"/>
-          </a:p>
-        </p:txBody>
-      </p:sp>
-      <p:sp>
-        <p:nvSpPr>
-          <p:cNvPr id="11" name="Rectangle 10"/>
-          <p:cNvSpPr/>
-          <p:nvPr/>
-        </p:nvSpPr>
-        <p:spPr>
-          <a:xfrm>
-            <a:off x="2971800" y="2271346"/>
-            <a:ext cx="2098472" cy="422031"/>
-          </a:xfrm>
-          <a:prstGeom prst="rect">
-            <a:avLst/>
-          </a:prstGeom>
-          <a:noFill/>
-          <a:ln>
-            <a:solidFill>
-              <a:schemeClr val="tx1"/>
-            </a:solidFill>
-          </a:ln>
-        </p:spPr>
-        <p:style>
-          <a:lnRef idx="2">
-            <a:schemeClr val="accent1">
-              <a:shade val="50000"/>
-            </a:schemeClr>
-          </a:lnRef>
-          <a:fillRef idx="1">
-            <a:schemeClr val="accent1"/>
-          </a:fillRef>
-          <a:effectRef idx="0">
-            <a:schemeClr val="accent1"/>
-          </a:effectRef>
-          <a:fontRef idx="minor">
-            <a:schemeClr val="lt1"/>
-          </a:fontRef>
-        </p:style>
-        <p:txBody>
-          <a:bodyPr rtlCol="0" anchor="ctr"/>
-          <a:lstStyle/>
-          <a:p>
-            <a:pPr algn="ctr"/>
-            <a:endParaRPr lang="nb-NO"/>
-          </a:p>
-        </p:txBody>
-      </p:sp>
-      <p:sp>
-        <p:nvSpPr>
-          <p:cNvPr id="13" name="Rectangle 12"/>
-          <p:cNvSpPr/>
-          <p:nvPr/>
-        </p:nvSpPr>
-        <p:spPr>
-          <a:xfrm>
-            <a:off x="6063770" y="2271346"/>
-            <a:ext cx="2464767" cy="422031"/>
-          </a:xfrm>
-          <a:prstGeom prst="rect">
-            <a:avLst/>
-          </a:prstGeom>
-          <a:noFill/>
-          <a:ln>
-            <a:solidFill>
-              <a:schemeClr val="tx1"/>
-            </a:solidFill>
-          </a:ln>
-        </p:spPr>
-        <p:style>
-          <a:lnRef idx="2">
-            <a:schemeClr val="accent1">
-              <a:shade val="50000"/>
-            </a:schemeClr>
-          </a:lnRef>
-          <a:fillRef idx="1">
-            <a:schemeClr val="accent1"/>
-          </a:fillRef>
-          <a:effectRef idx="0">
-            <a:schemeClr val="accent1"/>
-          </a:effectRef>
-          <a:fontRef idx="minor">
-            <a:schemeClr val="lt1"/>
-          </a:fontRef>
-        </p:style>
-        <p:txBody>
-          <a:bodyPr rtlCol="0" anchor="ctr"/>
-          <a:lstStyle/>
-          <a:p>
-            <a:pPr algn="ctr"/>
-            <a:endParaRPr lang="nb-NO"/>
-          </a:p>
-        </p:txBody>
-      </p:sp>
-      <p:sp>
-        <p:nvSpPr>
-          <p:cNvPr id="14" name="Rectangle 13"/>
-          <p:cNvSpPr/>
-          <p:nvPr/>
-        </p:nvSpPr>
-        <p:spPr>
-          <a:xfrm>
-            <a:off x="6135286" y="2326268"/>
-            <a:ext cx="2291012" cy="400110"/>
-          </a:xfrm>
-          <a:prstGeom prst="rect">
-            <a:avLst/>
-          </a:prstGeom>
-          <a:noFill/>
-        </p:spPr>
-        <p:txBody>
-          <a:bodyPr wrap="none" lIns="91440" tIns="45720" rIns="91440" bIns="45720">
-            <a:spAutoFit/>
-          </a:bodyPr>
-          <a:lstStyle/>
-          <a:p>
-            <a:pPr algn="ctr"/>
-            <a:r>
-              <a:rPr lang="en-US" sz="2000" b="0" cap="none" spc="0" dirty="0" smtClean="0">
-                <a:ln w="0"/>
-                <a:solidFill>
-                  <a:schemeClr val="tx1"/>
-                </a:solidFill>
-                <a:effectLst>
-                  <a:outerShdw blurRad="38100" dist="19050" dir="2700000" algn="tl" rotWithShape="0">
-                    <a:schemeClr val="dk1">
-                      <a:alpha val="40000"/>
-                    </a:schemeClr>
-                  </a:outerShdw>
-                </a:effectLst>
-              </a:rPr>
-              <a:t>Mobile Response</a:t>
-            </a:r>
-          </a:p>
-        </p:txBody>
-      </p:sp>
-      <p:sp>
-        <p:nvSpPr>
-          <p:cNvPr id="15" name="Rectangle 14"/>
-          <p:cNvSpPr/>
-          <p:nvPr/>
-        </p:nvSpPr>
-        <p:spPr>
-          <a:xfrm>
-            <a:off x="3024520" y="2228018"/>
-            <a:ext cx="2045752" cy="461665"/>
-          </a:xfrm>
-          <a:prstGeom prst="rect">
-            <a:avLst/>
-          </a:prstGeom>
-          <a:noFill/>
-        </p:spPr>
-        <p:txBody>
-          <a:bodyPr wrap="none" lIns="91440" tIns="45720" rIns="91440" bIns="45720">
-            <a:spAutoFit/>
-          </a:bodyPr>
-          <a:lstStyle/>
-          <a:p>
-            <a:pPr algn="ctr"/>
-            <a:r>
-              <a:rPr lang="en-US" sz="2000" b="0" cap="none" spc="0" dirty="0" smtClean="0">
-                <a:ln w="0"/>
-                <a:solidFill>
-                  <a:schemeClr val="tx1"/>
-                </a:solidFill>
-                <a:effectLst>
-                  <a:outerShdw blurRad="38100" dist="19050" dir="2700000" algn="tl" rotWithShape="0">
-                    <a:schemeClr val="dk1">
-                      <a:alpha val="40000"/>
-                    </a:schemeClr>
-                  </a:outerShdw>
-                </a:effectLst>
-              </a:rPr>
-              <a:t>Web</a:t>
-            </a:r>
-            <a:r>
-              <a:rPr lang="en-US" sz="2400" b="0" cap="none" spc="0" dirty="0" smtClean="0">
-                <a:ln w="0"/>
-                <a:solidFill>
-                  <a:schemeClr val="tx1"/>
-                </a:solidFill>
-                <a:effectLst>
-                  <a:outerShdw blurRad="38100" dist="19050" dir="2700000" algn="tl" rotWithShape="0">
-                    <a:schemeClr val="dk1">
-                      <a:alpha val="40000"/>
-                    </a:schemeClr>
-                  </a:outerShdw>
-                </a:effectLst>
-              </a:rPr>
-              <a:t> </a:t>
-            </a:r>
-            <a:r>
-              <a:rPr lang="en-US" sz="2000" b="0" cap="none" spc="0" dirty="0" smtClean="0">
-                <a:ln w="0"/>
-                <a:solidFill>
-                  <a:schemeClr val="tx1"/>
-                </a:solidFill>
-                <a:effectLst>
-                  <a:outerShdw blurRad="38100" dist="19050" dir="2700000" algn="tl" rotWithShape="0">
-                    <a:schemeClr val="dk1">
-                      <a:alpha val="40000"/>
-                    </a:schemeClr>
-                  </a:outerShdw>
-                </a:effectLst>
-              </a:rPr>
-              <a:t>Response</a:t>
-            </a:r>
-            <a:endParaRPr lang="en-US" sz="2000" b="0" cap="none" spc="0" dirty="0">
-              <a:ln w="0"/>
-              <a:solidFill>
-                <a:schemeClr val="tx1"/>
-              </a:solidFill>
-              <a:effectLst>
-                <a:outerShdw blurRad="38100" dist="19050" dir="2700000" algn="tl" rotWithShape="0">
-                  <a:schemeClr val="dk1">
-                    <a:alpha val="40000"/>
-                  </a:schemeClr>
-                </a:outerShdw>
-              </a:effectLst>
-            </a:endParaRPr>
-          </a:p>
-        </p:txBody>
-      </p:sp>
-      <p:sp>
-        <p:nvSpPr>
-          <p:cNvPr id="17" name="Rectangle 16"/>
-          <p:cNvSpPr/>
-          <p:nvPr/>
-        </p:nvSpPr>
-        <p:spPr>
-          <a:xfrm>
-            <a:off x="5031519" y="4495037"/>
-            <a:ext cx="522900" cy="400110"/>
-          </a:xfrm>
-          <a:prstGeom prst="rect">
-            <a:avLst/>
-          </a:prstGeom>
-          <a:noFill/>
-        </p:spPr>
-        <p:txBody>
-          <a:bodyPr wrap="none" lIns="91440" tIns="45720" rIns="91440" bIns="45720">
-            <a:spAutoFit/>
-          </a:bodyPr>
-          <a:lstStyle/>
-          <a:p>
-            <a:pPr algn="ctr"/>
-            <a:r>
-              <a:rPr lang="en-US" sz="2000" b="0" cap="none" spc="0" dirty="0" smtClean="0">
-                <a:ln w="0"/>
-                <a:solidFill>
-                  <a:schemeClr val="tx1"/>
-                </a:solidFill>
-                <a:effectLst>
-                  <a:outerShdw blurRad="38100" dist="19050" dir="2700000" algn="tl" rotWithShape="0">
-                    <a:schemeClr val="dk1">
-                      <a:alpha val="40000"/>
-                    </a:schemeClr>
-                  </a:outerShdw>
-                </a:effectLst>
-              </a:rPr>
-              <a:t>DB</a:t>
-            </a:r>
-            <a:endParaRPr lang="en-US" sz="2000" b="0" cap="none" spc="0" dirty="0">
-              <a:ln w="0"/>
-              <a:solidFill>
-                <a:schemeClr val="tx1"/>
-              </a:solidFill>
-              <a:effectLst>
-                <a:outerShdw blurRad="38100" dist="19050" dir="2700000" algn="tl" rotWithShape="0">
-                  <a:schemeClr val="dk1">
-                    <a:alpha val="40000"/>
-                  </a:schemeClr>
-                </a:outerShdw>
-              </a:effectLst>
-            </a:endParaRPr>
-          </a:p>
-        </p:txBody>
-      </p:sp>
-      <p:sp>
-        <p:nvSpPr>
-          <p:cNvPr id="5" name="Rectangle 4"/>
-          <p:cNvSpPr/>
-          <p:nvPr/>
-        </p:nvSpPr>
-        <p:spPr>
-          <a:xfrm>
-            <a:off x="940777" y="1969477"/>
-            <a:ext cx="9152792" cy="3341077"/>
-          </a:xfrm>
-          <a:prstGeom prst="rect">
-            <a:avLst/>
-          </a:prstGeom>
-          <a:noFill/>
-          <a:ln>
-            <a:solidFill>
-              <a:schemeClr val="tx1"/>
-            </a:solidFill>
-          </a:ln>
-        </p:spPr>
-        <p:style>
-          <a:lnRef idx="2">
-            <a:schemeClr val="accent1">
-              <a:shade val="50000"/>
-            </a:schemeClr>
-          </a:lnRef>
-          <a:fillRef idx="1">
-            <a:schemeClr val="accent1"/>
-          </a:fillRef>
-          <a:effectRef idx="0">
-            <a:schemeClr val="accent1"/>
-          </a:effectRef>
-          <a:fontRef idx="minor">
-            <a:schemeClr val="lt1"/>
-          </a:fontRef>
-        </p:style>
-        <p:txBody>
-          <a:bodyPr rtlCol="0" anchor="ctr"/>
-          <a:lstStyle/>
-          <a:p>
-            <a:pPr algn="ctr"/>
-            <a:endParaRPr lang="nb-NO"/>
-          </a:p>
-        </p:txBody>
-      </p:sp>
-      <p:cxnSp>
-        <p:nvCxnSpPr>
-          <p:cNvPr id="10" name="Straight Arrow Connector 9"/>
-          <p:cNvCxnSpPr/>
-          <p:nvPr/>
-        </p:nvCxnSpPr>
-        <p:spPr>
-          <a:xfrm>
-            <a:off x="5213838" y="2787162"/>
-            <a:ext cx="17585" cy="571500"/>
-          </a:xfrm>
-          <a:prstGeom prst="straightConnector1">
-            <a:avLst/>
-          </a:prstGeom>
-          <a:ln>
-            <a:solidFill>
-              <a:schemeClr val="tx1"/>
-            </a:solidFill>
-            <a:tailEnd type="triangle"/>
-          </a:ln>
-        </p:spPr>
-        <p:style>
-          <a:lnRef idx="1">
-            <a:schemeClr val="accent1"/>
-          </a:lnRef>
-          <a:fillRef idx="0">
-            <a:schemeClr val="accent1"/>
-          </a:fillRef>
-          <a:effectRef idx="0">
-            <a:schemeClr val="accent1"/>
-          </a:effectRef>
-          <a:fontRef idx="minor">
-            <a:schemeClr val="tx1"/>
-          </a:fontRef>
-        </p:style>
-      </p:cxnSp>
-      <p:cxnSp>
-        <p:nvCxnSpPr>
-          <p:cNvPr id="20" name="Straight Arrow Connector 19"/>
-          <p:cNvCxnSpPr/>
-          <p:nvPr/>
-        </p:nvCxnSpPr>
-        <p:spPr>
-          <a:xfrm>
-            <a:off x="5231423" y="3894993"/>
-            <a:ext cx="0" cy="325315"/>
-          </a:xfrm>
-          <a:prstGeom prst="straightConnector1">
-            <a:avLst/>
-          </a:prstGeom>
-          <a:ln>
-            <a:solidFill>
-              <a:schemeClr val="tx1"/>
-            </a:solidFill>
-            <a:tailEnd type="triangle"/>
-          </a:ln>
-        </p:spPr>
-        <p:style>
-          <a:lnRef idx="1">
-            <a:schemeClr val="accent1"/>
-          </a:lnRef>
-          <a:fillRef idx="0">
-            <a:schemeClr val="accent1"/>
-          </a:fillRef>
-          <a:effectRef idx="0">
-            <a:schemeClr val="accent1"/>
-          </a:effectRef>
-          <a:fontRef idx="minor">
-            <a:schemeClr val="tx1"/>
-          </a:fontRef>
-        </p:style>
-      </p:cxnSp>
-      <p:cxnSp>
-        <p:nvCxnSpPr>
-          <p:cNvPr id="24" name="Straight Arrow Connector 23"/>
-          <p:cNvCxnSpPr>
-            <a:stCxn id="8" idx="1"/>
-          </p:cNvCxnSpPr>
-          <p:nvPr/>
-        </p:nvCxnSpPr>
-        <p:spPr>
-          <a:xfrm flipV="1">
-            <a:off x="5292969" y="3894993"/>
-            <a:ext cx="8793" cy="325315"/>
-          </a:xfrm>
-          <a:prstGeom prst="straightConnector1">
-            <a:avLst/>
-          </a:prstGeom>
-          <a:ln>
-            <a:solidFill>
-              <a:schemeClr val="tx1"/>
-            </a:solidFill>
-            <a:tailEnd type="triangle"/>
-          </a:ln>
-        </p:spPr>
-        <p:style>
-          <a:lnRef idx="1">
-            <a:schemeClr val="accent1"/>
-          </a:lnRef>
-          <a:fillRef idx="0">
-            <a:schemeClr val="accent1"/>
-          </a:fillRef>
-          <a:effectRef idx="0">
-            <a:schemeClr val="accent1"/>
-          </a:effectRef>
-          <a:fontRef idx="minor">
-            <a:schemeClr val="tx1"/>
-          </a:fontRef>
-        </p:style>
-      </p:cxnSp>
-      <p:cxnSp>
-        <p:nvCxnSpPr>
-          <p:cNvPr id="26" name="Straight Arrow Connector 25"/>
-          <p:cNvCxnSpPr/>
-          <p:nvPr/>
-        </p:nvCxnSpPr>
-        <p:spPr>
-          <a:xfrm flipH="1" flipV="1">
-            <a:off x="5354515" y="2787162"/>
-            <a:ext cx="17585" cy="571500"/>
-          </a:xfrm>
-          <a:prstGeom prst="straightConnector1">
-            <a:avLst/>
-          </a:prstGeom>
-          <a:ln>
-            <a:solidFill>
-              <a:schemeClr val="tx1"/>
-            </a:solidFill>
-            <a:tailEnd type="triangle"/>
-          </a:ln>
-        </p:spPr>
-        <p:style>
-          <a:lnRef idx="1">
-            <a:schemeClr val="accent1"/>
-          </a:lnRef>
-          <a:fillRef idx="0">
-            <a:schemeClr val="accent1"/>
-          </a:fillRef>
-          <a:effectRef idx="0">
-            <a:schemeClr val="accent1"/>
-          </a:effectRef>
-          <a:fontRef idx="minor">
-            <a:schemeClr val="tx1"/>
-          </a:fontRef>
-        </p:style>
-      </p:cxnSp>
-      <p:sp>
-        <p:nvSpPr>
-          <p:cNvPr id="27" name="Rectangle 26"/>
-          <p:cNvSpPr/>
-          <p:nvPr/>
-        </p:nvSpPr>
-        <p:spPr>
-          <a:xfrm>
-            <a:off x="4355613" y="3376247"/>
-            <a:ext cx="2286203" cy="400110"/>
-          </a:xfrm>
-          <a:prstGeom prst="rect">
-            <a:avLst/>
-          </a:prstGeom>
-          <a:noFill/>
-        </p:spPr>
-        <p:txBody>
-          <a:bodyPr wrap="none" lIns="91440" tIns="45720" rIns="91440" bIns="45720">
-            <a:spAutoFit/>
-          </a:bodyPr>
-          <a:lstStyle/>
-          <a:p>
-            <a:pPr algn="ctr"/>
-            <a:r>
-              <a:rPr lang="en-US" sz="2000" b="0" cap="none" spc="0" dirty="0" smtClean="0">
-                <a:ln w="0"/>
-                <a:solidFill>
-                  <a:schemeClr val="tx1"/>
-                </a:solidFill>
-                <a:effectLst>
-                  <a:outerShdw blurRad="38100" dist="19050" dir="2700000" algn="tl" rotWithShape="0">
-                    <a:schemeClr val="dk1">
-                      <a:alpha val="40000"/>
-                    </a:schemeClr>
-                  </a:outerShdw>
-                </a:effectLst>
-              </a:rPr>
-              <a:t>Integration Layer</a:t>
-            </a:r>
-            <a:endParaRPr lang="en-US" sz="2000" b="0" cap="none" spc="0" dirty="0">
-              <a:ln w="0"/>
-              <a:solidFill>
-                <a:schemeClr val="tx1"/>
-              </a:solidFill>
-              <a:effectLst>
-                <a:outerShdw blurRad="38100" dist="19050" dir="2700000" algn="tl" rotWithShape="0">
-                  <a:schemeClr val="dk1">
-                    <a:alpha val="40000"/>
-                  </a:schemeClr>
-                </a:outerShdw>
-              </a:effectLst>
-            </a:endParaRPr>
-          </a:p>
-        </p:txBody>
-      </p:sp>
-    </p:spTree>
-    <p:extLst>
-      <p:ext uri="{BB962C8B-B14F-4D97-AF65-F5344CB8AC3E}">
-        <p14:creationId xmlns:p14="http://schemas.microsoft.com/office/powerpoint/2010/main" val="2616122977"/>
       </p:ext>
     </p:extLst>
   </p:cSld>
@@ -8058,6 +7417,733 @@
       </p:grpSpPr>
       <p:sp>
         <p:nvSpPr>
+          <p:cNvPr id="2" name="Title 1"/>
+          <p:cNvSpPr>
+            <a:spLocks noGrp="1"/>
+          </p:cNvSpPr>
+          <p:nvPr>
+            <p:ph type="title"/>
+          </p:nvPr>
+        </p:nvSpPr>
+        <p:spPr>
+          <a:xfrm>
+            <a:off x="775540" y="690196"/>
+            <a:ext cx="8825659" cy="926123"/>
+          </a:xfrm>
+        </p:spPr>
+        <p:txBody>
+          <a:bodyPr/>
+          <a:lstStyle/>
+          <a:p>
+            <a:pPr algn="ctr"/>
+            <a:r>
+              <a:rPr lang="en-US" dirty="0" smtClean="0"/>
+              <a:t>Overall Architecture</a:t>
+            </a:r>
+            <a:endParaRPr lang="nb-NO" dirty="0"/>
+          </a:p>
+        </p:txBody>
+      </p:sp>
+      <p:sp>
+        <p:nvSpPr>
+          <p:cNvPr id="6" name="Rectangle 5"/>
+          <p:cNvSpPr/>
+          <p:nvPr/>
+        </p:nvSpPr>
+        <p:spPr>
+          <a:xfrm>
+            <a:off x="2031022" y="2198077"/>
+            <a:ext cx="7112977" cy="589085"/>
+          </a:xfrm>
+          <a:prstGeom prst="rect">
+            <a:avLst/>
+          </a:prstGeom>
+          <a:noFill/>
+          <a:ln>
+            <a:solidFill>
+              <a:schemeClr val="tx1"/>
+            </a:solidFill>
+          </a:ln>
+        </p:spPr>
+        <p:style>
+          <a:lnRef idx="2">
+            <a:schemeClr val="accent1">
+              <a:shade val="50000"/>
+            </a:schemeClr>
+          </a:lnRef>
+          <a:fillRef idx="1">
+            <a:schemeClr val="accent1"/>
+          </a:fillRef>
+          <a:effectRef idx="0">
+            <a:schemeClr val="accent1"/>
+          </a:effectRef>
+          <a:fontRef idx="minor">
+            <a:schemeClr val="lt1"/>
+          </a:fontRef>
+        </p:style>
+        <p:txBody>
+          <a:bodyPr rtlCol="0" anchor="ctr"/>
+          <a:lstStyle/>
+          <a:p>
+            <a:pPr algn="ctr"/>
+            <a:endParaRPr lang="nb-NO"/>
+          </a:p>
+        </p:txBody>
+      </p:sp>
+      <p:sp>
+        <p:nvSpPr>
+          <p:cNvPr id="7" name="Rectangle 6"/>
+          <p:cNvSpPr/>
+          <p:nvPr/>
+        </p:nvSpPr>
+        <p:spPr>
+          <a:xfrm>
+            <a:off x="3429000" y="3358662"/>
+            <a:ext cx="4044462" cy="536331"/>
+          </a:xfrm>
+          <a:prstGeom prst="rect">
+            <a:avLst/>
+          </a:prstGeom>
+          <a:noFill/>
+          <a:ln>
+            <a:solidFill>
+              <a:schemeClr val="tx1"/>
+            </a:solidFill>
+          </a:ln>
+        </p:spPr>
+        <p:style>
+          <a:lnRef idx="2">
+            <a:schemeClr val="accent1">
+              <a:shade val="50000"/>
+            </a:schemeClr>
+          </a:lnRef>
+          <a:fillRef idx="1">
+            <a:schemeClr val="accent1"/>
+          </a:fillRef>
+          <a:effectRef idx="0">
+            <a:schemeClr val="accent1"/>
+          </a:effectRef>
+          <a:fontRef idx="minor">
+            <a:schemeClr val="lt1"/>
+          </a:fontRef>
+        </p:style>
+        <p:txBody>
+          <a:bodyPr rtlCol="0" anchor="ctr"/>
+          <a:lstStyle/>
+          <a:p>
+            <a:pPr algn="ctr"/>
+            <a:endParaRPr lang="nb-NO"/>
+          </a:p>
+        </p:txBody>
+      </p:sp>
+      <p:sp>
+        <p:nvSpPr>
+          <p:cNvPr id="8" name="Can 7"/>
+          <p:cNvSpPr/>
+          <p:nvPr/>
+        </p:nvSpPr>
+        <p:spPr>
+          <a:xfrm>
+            <a:off x="4914900" y="4220308"/>
+            <a:ext cx="756138" cy="949569"/>
+          </a:xfrm>
+          <a:prstGeom prst="can">
+            <a:avLst/>
+          </a:prstGeom>
+          <a:noFill/>
+          <a:ln>
+            <a:solidFill>
+              <a:schemeClr val="tx1"/>
+            </a:solidFill>
+          </a:ln>
+        </p:spPr>
+        <p:style>
+          <a:lnRef idx="2">
+            <a:schemeClr val="accent1">
+              <a:shade val="50000"/>
+            </a:schemeClr>
+          </a:lnRef>
+          <a:fillRef idx="1">
+            <a:schemeClr val="accent1"/>
+          </a:fillRef>
+          <a:effectRef idx="0">
+            <a:schemeClr val="accent1"/>
+          </a:effectRef>
+          <a:fontRef idx="minor">
+            <a:schemeClr val="lt1"/>
+          </a:fontRef>
+        </p:style>
+        <p:txBody>
+          <a:bodyPr rtlCol="0" anchor="ctr"/>
+          <a:lstStyle/>
+          <a:p>
+            <a:pPr algn="ctr"/>
+            <a:endParaRPr lang="nb-NO"/>
+          </a:p>
+        </p:txBody>
+      </p:sp>
+      <p:sp>
+        <p:nvSpPr>
+          <p:cNvPr id="11" name="Rectangle 10"/>
+          <p:cNvSpPr/>
+          <p:nvPr/>
+        </p:nvSpPr>
+        <p:spPr>
+          <a:xfrm>
+            <a:off x="2971800" y="2271346"/>
+            <a:ext cx="2098472" cy="422031"/>
+          </a:xfrm>
+          <a:prstGeom prst="rect">
+            <a:avLst/>
+          </a:prstGeom>
+          <a:noFill/>
+          <a:ln>
+            <a:solidFill>
+              <a:schemeClr val="tx1"/>
+            </a:solidFill>
+          </a:ln>
+        </p:spPr>
+        <p:style>
+          <a:lnRef idx="2">
+            <a:schemeClr val="accent1">
+              <a:shade val="50000"/>
+            </a:schemeClr>
+          </a:lnRef>
+          <a:fillRef idx="1">
+            <a:schemeClr val="accent1"/>
+          </a:fillRef>
+          <a:effectRef idx="0">
+            <a:schemeClr val="accent1"/>
+          </a:effectRef>
+          <a:fontRef idx="minor">
+            <a:schemeClr val="lt1"/>
+          </a:fontRef>
+        </p:style>
+        <p:txBody>
+          <a:bodyPr rtlCol="0" anchor="ctr"/>
+          <a:lstStyle/>
+          <a:p>
+            <a:pPr algn="ctr"/>
+            <a:endParaRPr lang="nb-NO"/>
+          </a:p>
+        </p:txBody>
+      </p:sp>
+      <p:sp>
+        <p:nvSpPr>
+          <p:cNvPr id="13" name="Rectangle 12"/>
+          <p:cNvSpPr/>
+          <p:nvPr/>
+        </p:nvSpPr>
+        <p:spPr>
+          <a:xfrm>
+            <a:off x="6063770" y="2271346"/>
+            <a:ext cx="2464767" cy="422031"/>
+          </a:xfrm>
+          <a:prstGeom prst="rect">
+            <a:avLst/>
+          </a:prstGeom>
+          <a:noFill/>
+          <a:ln>
+            <a:solidFill>
+              <a:schemeClr val="tx1"/>
+            </a:solidFill>
+          </a:ln>
+        </p:spPr>
+        <p:style>
+          <a:lnRef idx="2">
+            <a:schemeClr val="accent1">
+              <a:shade val="50000"/>
+            </a:schemeClr>
+          </a:lnRef>
+          <a:fillRef idx="1">
+            <a:schemeClr val="accent1"/>
+          </a:fillRef>
+          <a:effectRef idx="0">
+            <a:schemeClr val="accent1"/>
+          </a:effectRef>
+          <a:fontRef idx="minor">
+            <a:schemeClr val="lt1"/>
+          </a:fontRef>
+        </p:style>
+        <p:txBody>
+          <a:bodyPr rtlCol="0" anchor="ctr"/>
+          <a:lstStyle/>
+          <a:p>
+            <a:pPr algn="ctr"/>
+            <a:endParaRPr lang="nb-NO"/>
+          </a:p>
+        </p:txBody>
+      </p:sp>
+      <p:sp>
+        <p:nvSpPr>
+          <p:cNvPr id="14" name="Rectangle 13"/>
+          <p:cNvSpPr/>
+          <p:nvPr/>
+        </p:nvSpPr>
+        <p:spPr>
+          <a:xfrm>
+            <a:off x="6135286" y="2326268"/>
+            <a:ext cx="2291012" cy="400110"/>
+          </a:xfrm>
+          <a:prstGeom prst="rect">
+            <a:avLst/>
+          </a:prstGeom>
+          <a:noFill/>
+        </p:spPr>
+        <p:txBody>
+          <a:bodyPr wrap="none" lIns="91440" tIns="45720" rIns="91440" bIns="45720">
+            <a:spAutoFit/>
+          </a:bodyPr>
+          <a:lstStyle/>
+          <a:p>
+            <a:pPr algn="ctr"/>
+            <a:r>
+              <a:rPr lang="en-US" sz="2000" b="0" cap="none" spc="0" dirty="0" smtClean="0">
+                <a:ln w="0"/>
+                <a:solidFill>
+                  <a:schemeClr val="tx1"/>
+                </a:solidFill>
+                <a:effectLst>
+                  <a:outerShdw blurRad="38100" dist="19050" dir="2700000" algn="tl" rotWithShape="0">
+                    <a:schemeClr val="dk1">
+                      <a:alpha val="40000"/>
+                    </a:schemeClr>
+                  </a:outerShdw>
+                </a:effectLst>
+              </a:rPr>
+              <a:t>Mobile Response</a:t>
+            </a:r>
+          </a:p>
+        </p:txBody>
+      </p:sp>
+      <p:sp>
+        <p:nvSpPr>
+          <p:cNvPr id="15" name="Rectangle 14"/>
+          <p:cNvSpPr/>
+          <p:nvPr/>
+        </p:nvSpPr>
+        <p:spPr>
+          <a:xfrm>
+            <a:off x="3024520" y="2228018"/>
+            <a:ext cx="2045752" cy="461665"/>
+          </a:xfrm>
+          <a:prstGeom prst="rect">
+            <a:avLst/>
+          </a:prstGeom>
+          <a:noFill/>
+        </p:spPr>
+        <p:txBody>
+          <a:bodyPr wrap="none" lIns="91440" tIns="45720" rIns="91440" bIns="45720">
+            <a:spAutoFit/>
+          </a:bodyPr>
+          <a:lstStyle/>
+          <a:p>
+            <a:pPr algn="ctr"/>
+            <a:r>
+              <a:rPr lang="en-US" sz="2000" b="0" cap="none" spc="0" dirty="0" smtClean="0">
+                <a:ln w="0"/>
+                <a:solidFill>
+                  <a:schemeClr val="tx1"/>
+                </a:solidFill>
+                <a:effectLst>
+                  <a:outerShdw blurRad="38100" dist="19050" dir="2700000" algn="tl" rotWithShape="0">
+                    <a:schemeClr val="dk1">
+                      <a:alpha val="40000"/>
+                    </a:schemeClr>
+                  </a:outerShdw>
+                </a:effectLst>
+              </a:rPr>
+              <a:t>Web</a:t>
+            </a:r>
+            <a:r>
+              <a:rPr lang="en-US" sz="2400" b="0" cap="none" spc="0" dirty="0" smtClean="0">
+                <a:ln w="0"/>
+                <a:solidFill>
+                  <a:schemeClr val="tx1"/>
+                </a:solidFill>
+                <a:effectLst>
+                  <a:outerShdw blurRad="38100" dist="19050" dir="2700000" algn="tl" rotWithShape="0">
+                    <a:schemeClr val="dk1">
+                      <a:alpha val="40000"/>
+                    </a:schemeClr>
+                  </a:outerShdw>
+                </a:effectLst>
+              </a:rPr>
+              <a:t> </a:t>
+            </a:r>
+            <a:r>
+              <a:rPr lang="en-US" sz="2000" b="0" cap="none" spc="0" dirty="0" smtClean="0">
+                <a:ln w="0"/>
+                <a:solidFill>
+                  <a:schemeClr val="tx1"/>
+                </a:solidFill>
+                <a:effectLst>
+                  <a:outerShdw blurRad="38100" dist="19050" dir="2700000" algn="tl" rotWithShape="0">
+                    <a:schemeClr val="dk1">
+                      <a:alpha val="40000"/>
+                    </a:schemeClr>
+                  </a:outerShdw>
+                </a:effectLst>
+              </a:rPr>
+              <a:t>Response</a:t>
+            </a:r>
+            <a:endParaRPr lang="en-US" sz="2000" b="0" cap="none" spc="0" dirty="0">
+              <a:ln w="0"/>
+              <a:solidFill>
+                <a:schemeClr val="tx1"/>
+              </a:solidFill>
+              <a:effectLst>
+                <a:outerShdw blurRad="38100" dist="19050" dir="2700000" algn="tl" rotWithShape="0">
+                  <a:schemeClr val="dk1">
+                    <a:alpha val="40000"/>
+                  </a:schemeClr>
+                </a:outerShdw>
+              </a:effectLst>
+            </a:endParaRPr>
+          </a:p>
+        </p:txBody>
+      </p:sp>
+      <p:sp>
+        <p:nvSpPr>
+          <p:cNvPr id="17" name="Rectangle 16"/>
+          <p:cNvSpPr/>
+          <p:nvPr/>
+        </p:nvSpPr>
+        <p:spPr>
+          <a:xfrm>
+            <a:off x="5031519" y="4495037"/>
+            <a:ext cx="522900" cy="400110"/>
+          </a:xfrm>
+          <a:prstGeom prst="rect">
+            <a:avLst/>
+          </a:prstGeom>
+          <a:noFill/>
+        </p:spPr>
+        <p:txBody>
+          <a:bodyPr wrap="none" lIns="91440" tIns="45720" rIns="91440" bIns="45720">
+            <a:spAutoFit/>
+          </a:bodyPr>
+          <a:lstStyle/>
+          <a:p>
+            <a:pPr algn="ctr"/>
+            <a:r>
+              <a:rPr lang="en-US" sz="2000" b="0" cap="none" spc="0" dirty="0" smtClean="0">
+                <a:ln w="0"/>
+                <a:solidFill>
+                  <a:schemeClr val="tx1"/>
+                </a:solidFill>
+                <a:effectLst>
+                  <a:outerShdw blurRad="38100" dist="19050" dir="2700000" algn="tl" rotWithShape="0">
+                    <a:schemeClr val="dk1">
+                      <a:alpha val="40000"/>
+                    </a:schemeClr>
+                  </a:outerShdw>
+                </a:effectLst>
+              </a:rPr>
+              <a:t>DB</a:t>
+            </a:r>
+            <a:endParaRPr lang="en-US" sz="2000" b="0" cap="none" spc="0" dirty="0">
+              <a:ln w="0"/>
+              <a:solidFill>
+                <a:schemeClr val="tx1"/>
+              </a:solidFill>
+              <a:effectLst>
+                <a:outerShdw blurRad="38100" dist="19050" dir="2700000" algn="tl" rotWithShape="0">
+                  <a:schemeClr val="dk1">
+                    <a:alpha val="40000"/>
+                  </a:schemeClr>
+                </a:outerShdw>
+              </a:effectLst>
+            </a:endParaRPr>
+          </a:p>
+        </p:txBody>
+      </p:sp>
+      <p:sp>
+        <p:nvSpPr>
+          <p:cNvPr id="5" name="Rectangle 4"/>
+          <p:cNvSpPr/>
+          <p:nvPr/>
+        </p:nvSpPr>
+        <p:spPr>
+          <a:xfrm>
+            <a:off x="940777" y="1969477"/>
+            <a:ext cx="9152792" cy="3341077"/>
+          </a:xfrm>
+          <a:prstGeom prst="rect">
+            <a:avLst/>
+          </a:prstGeom>
+          <a:noFill/>
+          <a:ln>
+            <a:solidFill>
+              <a:schemeClr val="tx1"/>
+            </a:solidFill>
+          </a:ln>
+        </p:spPr>
+        <p:style>
+          <a:lnRef idx="2">
+            <a:schemeClr val="accent1">
+              <a:shade val="50000"/>
+            </a:schemeClr>
+          </a:lnRef>
+          <a:fillRef idx="1">
+            <a:schemeClr val="accent1"/>
+          </a:fillRef>
+          <a:effectRef idx="0">
+            <a:schemeClr val="accent1"/>
+          </a:effectRef>
+          <a:fontRef idx="minor">
+            <a:schemeClr val="lt1"/>
+          </a:fontRef>
+        </p:style>
+        <p:txBody>
+          <a:bodyPr rtlCol="0" anchor="ctr"/>
+          <a:lstStyle/>
+          <a:p>
+            <a:pPr algn="ctr"/>
+            <a:endParaRPr lang="nb-NO"/>
+          </a:p>
+        </p:txBody>
+      </p:sp>
+      <p:cxnSp>
+        <p:nvCxnSpPr>
+          <p:cNvPr id="10" name="Straight Arrow Connector 9"/>
+          <p:cNvCxnSpPr/>
+          <p:nvPr/>
+        </p:nvCxnSpPr>
+        <p:spPr>
+          <a:xfrm>
+            <a:off x="5213838" y="2787162"/>
+            <a:ext cx="17585" cy="571500"/>
+          </a:xfrm>
+          <a:prstGeom prst="straightConnector1">
+            <a:avLst/>
+          </a:prstGeom>
+          <a:ln>
+            <a:solidFill>
+              <a:schemeClr val="tx1"/>
+            </a:solidFill>
+            <a:tailEnd type="triangle"/>
+          </a:ln>
+        </p:spPr>
+        <p:style>
+          <a:lnRef idx="1">
+            <a:schemeClr val="accent1"/>
+          </a:lnRef>
+          <a:fillRef idx="0">
+            <a:schemeClr val="accent1"/>
+          </a:fillRef>
+          <a:effectRef idx="0">
+            <a:schemeClr val="accent1"/>
+          </a:effectRef>
+          <a:fontRef idx="minor">
+            <a:schemeClr val="tx1"/>
+          </a:fontRef>
+        </p:style>
+      </p:cxnSp>
+      <p:cxnSp>
+        <p:nvCxnSpPr>
+          <p:cNvPr id="20" name="Straight Arrow Connector 19"/>
+          <p:cNvCxnSpPr/>
+          <p:nvPr/>
+        </p:nvCxnSpPr>
+        <p:spPr>
+          <a:xfrm>
+            <a:off x="5231423" y="3894993"/>
+            <a:ext cx="0" cy="325315"/>
+          </a:xfrm>
+          <a:prstGeom prst="straightConnector1">
+            <a:avLst/>
+          </a:prstGeom>
+          <a:ln>
+            <a:solidFill>
+              <a:schemeClr val="tx1"/>
+            </a:solidFill>
+            <a:tailEnd type="triangle"/>
+          </a:ln>
+        </p:spPr>
+        <p:style>
+          <a:lnRef idx="1">
+            <a:schemeClr val="accent1"/>
+          </a:lnRef>
+          <a:fillRef idx="0">
+            <a:schemeClr val="accent1"/>
+          </a:fillRef>
+          <a:effectRef idx="0">
+            <a:schemeClr val="accent1"/>
+          </a:effectRef>
+          <a:fontRef idx="minor">
+            <a:schemeClr val="tx1"/>
+          </a:fontRef>
+        </p:style>
+      </p:cxnSp>
+      <p:cxnSp>
+        <p:nvCxnSpPr>
+          <p:cNvPr id="24" name="Straight Arrow Connector 23"/>
+          <p:cNvCxnSpPr>
+            <a:stCxn id="8" idx="1"/>
+          </p:cNvCxnSpPr>
+          <p:nvPr/>
+        </p:nvCxnSpPr>
+        <p:spPr>
+          <a:xfrm flipV="1">
+            <a:off x="5292969" y="3894993"/>
+            <a:ext cx="8793" cy="325315"/>
+          </a:xfrm>
+          <a:prstGeom prst="straightConnector1">
+            <a:avLst/>
+          </a:prstGeom>
+          <a:ln>
+            <a:solidFill>
+              <a:schemeClr val="tx1"/>
+            </a:solidFill>
+            <a:tailEnd type="triangle"/>
+          </a:ln>
+        </p:spPr>
+        <p:style>
+          <a:lnRef idx="1">
+            <a:schemeClr val="accent1"/>
+          </a:lnRef>
+          <a:fillRef idx="0">
+            <a:schemeClr val="accent1"/>
+          </a:fillRef>
+          <a:effectRef idx="0">
+            <a:schemeClr val="accent1"/>
+          </a:effectRef>
+          <a:fontRef idx="minor">
+            <a:schemeClr val="tx1"/>
+          </a:fontRef>
+        </p:style>
+      </p:cxnSp>
+      <p:cxnSp>
+        <p:nvCxnSpPr>
+          <p:cNvPr id="26" name="Straight Arrow Connector 25"/>
+          <p:cNvCxnSpPr/>
+          <p:nvPr/>
+        </p:nvCxnSpPr>
+        <p:spPr>
+          <a:xfrm flipH="1" flipV="1">
+            <a:off x="5354515" y="2787162"/>
+            <a:ext cx="17585" cy="571500"/>
+          </a:xfrm>
+          <a:prstGeom prst="straightConnector1">
+            <a:avLst/>
+          </a:prstGeom>
+          <a:ln>
+            <a:solidFill>
+              <a:schemeClr val="tx1"/>
+            </a:solidFill>
+            <a:tailEnd type="triangle"/>
+          </a:ln>
+        </p:spPr>
+        <p:style>
+          <a:lnRef idx="1">
+            <a:schemeClr val="accent1"/>
+          </a:lnRef>
+          <a:fillRef idx="0">
+            <a:schemeClr val="accent1"/>
+          </a:fillRef>
+          <a:effectRef idx="0">
+            <a:schemeClr val="accent1"/>
+          </a:effectRef>
+          <a:fontRef idx="minor">
+            <a:schemeClr val="tx1"/>
+          </a:fontRef>
+        </p:style>
+      </p:cxnSp>
+      <p:sp>
+        <p:nvSpPr>
+          <p:cNvPr id="27" name="Rectangle 26"/>
+          <p:cNvSpPr/>
+          <p:nvPr/>
+        </p:nvSpPr>
+        <p:spPr>
+          <a:xfrm>
+            <a:off x="4355613" y="3376247"/>
+            <a:ext cx="2286203" cy="400110"/>
+          </a:xfrm>
+          <a:prstGeom prst="rect">
+            <a:avLst/>
+          </a:prstGeom>
+          <a:noFill/>
+        </p:spPr>
+        <p:txBody>
+          <a:bodyPr wrap="none" lIns="91440" tIns="45720" rIns="91440" bIns="45720">
+            <a:spAutoFit/>
+          </a:bodyPr>
+          <a:lstStyle/>
+          <a:p>
+            <a:pPr algn="ctr"/>
+            <a:r>
+              <a:rPr lang="en-US" sz="2000" b="0" cap="none" spc="0" dirty="0" smtClean="0">
+                <a:ln w="0"/>
+                <a:solidFill>
+                  <a:schemeClr val="tx1"/>
+                </a:solidFill>
+                <a:effectLst>
+                  <a:outerShdw blurRad="38100" dist="19050" dir="2700000" algn="tl" rotWithShape="0">
+                    <a:schemeClr val="dk1">
+                      <a:alpha val="40000"/>
+                    </a:schemeClr>
+                  </a:outerShdw>
+                </a:effectLst>
+              </a:rPr>
+              <a:t>Integration Layer</a:t>
+            </a:r>
+            <a:endParaRPr lang="en-US" sz="2000" b="0" cap="none" spc="0" dirty="0">
+              <a:ln w="0"/>
+              <a:solidFill>
+                <a:schemeClr val="tx1"/>
+              </a:solidFill>
+              <a:effectLst>
+                <a:outerShdw blurRad="38100" dist="19050" dir="2700000" algn="tl" rotWithShape="0">
+                  <a:schemeClr val="dk1">
+                    <a:alpha val="40000"/>
+                  </a:schemeClr>
+                </a:outerShdw>
+              </a:effectLst>
+            </a:endParaRPr>
+          </a:p>
+        </p:txBody>
+      </p:sp>
+    </p:spTree>
+    <p:extLst>
+      <p:ext uri="{BB962C8B-B14F-4D97-AF65-F5344CB8AC3E}">
+        <p14:creationId xmlns:p14="http://schemas.microsoft.com/office/powerpoint/2010/main" val="2616122977"/>
+      </p:ext>
+    </p:extLst>
+  </p:cSld>
+  <p:clrMapOvr>
+    <a:masterClrMapping/>
+  </p:clrMapOvr>
+  <p:timing>
+    <p:tnLst>
+      <p:par>
+        <p:cTn id="1" dur="indefinite" restart="never" nodeType="tmRoot"/>
+      </p:par>
+    </p:tnLst>
+  </p:timing>
+</p:sld>
+</file>
+
+<file path=ppt/slides/slide7.xml><?xml version="1.0" encoding="utf-8"?>
+<p:sld xmlns:a="http://schemas.openxmlformats.org/drawingml/2006/main" xmlns:r="http://schemas.openxmlformats.org/officeDocument/2006/relationships" xmlns:p="http://schemas.openxmlformats.org/presentationml/2006/main">
+  <p:cSld>
+    <p:spTree>
+      <p:nvGrpSpPr>
+        <p:cNvPr id="1" name=""/>
+        <p:cNvGrpSpPr/>
+        <p:nvPr/>
+      </p:nvGrpSpPr>
+      <p:grpSpPr>
+        <a:xfrm>
+          <a:off x="0" y="0"/>
+          <a:ext cx="0" cy="0"/>
+          <a:chOff x="0" y="0"/>
+          <a:chExt cx="0" cy="0"/>
+        </a:xfrm>
+      </p:grpSpPr>
+      <p:sp>
+        <p:nvSpPr>
           <p:cNvPr id="3" name="Text Placeholder 2"/>
           <p:cNvSpPr>
             <a:spLocks noGrp="1"/>
@@ -8144,7 +8230,7 @@
 </p:sld>
 </file>
 
-<file path=ppt/slides/slide7.xml><?xml version="1.0" encoding="utf-8"?>
+<file path=ppt/slides/slide8.xml><?xml version="1.0" encoding="utf-8"?>
 <p:sld xmlns:a="http://schemas.openxmlformats.org/drawingml/2006/main" xmlns:r="http://schemas.openxmlformats.org/officeDocument/2006/relationships" xmlns:p="http://schemas.openxmlformats.org/presentationml/2006/main">
   <p:cSld>
     <p:spTree>
